--- a/TNT shirt logo.pptx
+++ b/TNT shirt logo.pptx
@@ -107,6 +107,11 @@
       </a:defRPr>
     </a:lvl9pPr>
   </p:defaultTextStyle>
+  <p:extLst>
+    <p:ext uri="{EFAFB233-063F-42B5-8137-9DF3F51BA10A}">
+      <p15:sldGuideLst xmlns:p15="http://schemas.microsoft.com/office/powerpoint/2012/main"/>
+    </p:ext>
+  </p:extLst>
 </p:presentation>
 </file>
 
@@ -257,7 +262,7 @@
           <a:p>
             <a:fld id="{C2BAE25C-5B6B-475F-BB34-813AE4F64A27}" type="datetimeFigureOut">
               <a:rPr lang="en-US" smtClean="0"/>
-              <a:t>9/30/2019</a:t>
+              <a:t>10/6/2019</a:t>
             </a:fld>
             <a:endParaRPr lang="en-US"/>
           </a:p>
@@ -455,7 +460,7 @@
           <a:p>
             <a:fld id="{C2BAE25C-5B6B-475F-BB34-813AE4F64A27}" type="datetimeFigureOut">
               <a:rPr lang="en-US" smtClean="0"/>
-              <a:t>9/30/2019</a:t>
+              <a:t>10/6/2019</a:t>
             </a:fld>
             <a:endParaRPr lang="en-US"/>
           </a:p>
@@ -663,7 +668,7 @@
           <a:p>
             <a:fld id="{C2BAE25C-5B6B-475F-BB34-813AE4F64A27}" type="datetimeFigureOut">
               <a:rPr lang="en-US" smtClean="0"/>
-              <a:t>9/30/2019</a:t>
+              <a:t>10/6/2019</a:t>
             </a:fld>
             <a:endParaRPr lang="en-US"/>
           </a:p>
@@ -861,7 +866,7 @@
           <a:p>
             <a:fld id="{C2BAE25C-5B6B-475F-BB34-813AE4F64A27}" type="datetimeFigureOut">
               <a:rPr lang="en-US" smtClean="0"/>
-              <a:t>9/30/2019</a:t>
+              <a:t>10/6/2019</a:t>
             </a:fld>
             <a:endParaRPr lang="en-US"/>
           </a:p>
@@ -1136,7 +1141,7 @@
           <a:p>
             <a:fld id="{C2BAE25C-5B6B-475F-BB34-813AE4F64A27}" type="datetimeFigureOut">
               <a:rPr lang="en-US" smtClean="0"/>
-              <a:t>9/30/2019</a:t>
+              <a:t>10/6/2019</a:t>
             </a:fld>
             <a:endParaRPr lang="en-US"/>
           </a:p>
@@ -1401,7 +1406,7 @@
           <a:p>
             <a:fld id="{C2BAE25C-5B6B-475F-BB34-813AE4F64A27}" type="datetimeFigureOut">
               <a:rPr lang="en-US" smtClean="0"/>
-              <a:t>9/30/2019</a:t>
+              <a:t>10/6/2019</a:t>
             </a:fld>
             <a:endParaRPr lang="en-US"/>
           </a:p>
@@ -1813,7 +1818,7 @@
           <a:p>
             <a:fld id="{C2BAE25C-5B6B-475F-BB34-813AE4F64A27}" type="datetimeFigureOut">
               <a:rPr lang="en-US" smtClean="0"/>
-              <a:t>9/30/2019</a:t>
+              <a:t>10/6/2019</a:t>
             </a:fld>
             <a:endParaRPr lang="en-US"/>
           </a:p>
@@ -1954,7 +1959,7 @@
           <a:p>
             <a:fld id="{C2BAE25C-5B6B-475F-BB34-813AE4F64A27}" type="datetimeFigureOut">
               <a:rPr lang="en-US" smtClean="0"/>
-              <a:t>9/30/2019</a:t>
+              <a:t>10/6/2019</a:t>
             </a:fld>
             <a:endParaRPr lang="en-US"/>
           </a:p>
@@ -2067,7 +2072,7 @@
           <a:p>
             <a:fld id="{C2BAE25C-5B6B-475F-BB34-813AE4F64A27}" type="datetimeFigureOut">
               <a:rPr lang="en-US" smtClean="0"/>
-              <a:t>9/30/2019</a:t>
+              <a:t>10/6/2019</a:t>
             </a:fld>
             <a:endParaRPr lang="en-US"/>
           </a:p>
@@ -2378,7 +2383,7 @@
           <a:p>
             <a:fld id="{C2BAE25C-5B6B-475F-BB34-813AE4F64A27}" type="datetimeFigureOut">
               <a:rPr lang="en-US" smtClean="0"/>
-              <a:t>9/30/2019</a:t>
+              <a:t>10/6/2019</a:t>
             </a:fld>
             <a:endParaRPr lang="en-US"/>
           </a:p>
@@ -2666,7 +2671,7 @@
           <a:p>
             <a:fld id="{C2BAE25C-5B6B-475F-BB34-813AE4F64A27}" type="datetimeFigureOut">
               <a:rPr lang="en-US" smtClean="0"/>
-              <a:t>9/30/2019</a:t>
+              <a:t>10/6/2019</a:t>
             </a:fld>
             <a:endParaRPr lang="en-US"/>
           </a:p>
@@ -2907,7 +2912,7 @@
           <a:p>
             <a:fld id="{C2BAE25C-5B6B-475F-BB34-813AE4F64A27}" type="datetimeFigureOut">
               <a:rPr lang="en-US" smtClean="0"/>
-              <a:t>9/30/2019</a:t>
+              <a:t>10/6/2019</a:t>
             </a:fld>
             <a:endParaRPr lang="en-US"/>
           </a:p>
@@ -3324,52 +3329,9 @@
           <a:chExt cx="0" cy="0"/>
         </a:xfrm>
       </p:grpSpPr>
-      <p:sp>
-        <p:nvSpPr>
-          <p:cNvPr id="4" name="TextBox 3">
-            <a:extLst>
-              <a:ext uri="{FF2B5EF4-FFF2-40B4-BE49-F238E27FC236}">
-                <a16:creationId xmlns:a16="http://schemas.microsoft.com/office/drawing/2014/main" id="{F68442E1-66DC-4569-B1C8-835052AC9D37}"/>
-              </a:ext>
-            </a:extLst>
-          </p:cNvPr>
-          <p:cNvSpPr txBox="1"/>
-          <p:nvPr/>
-        </p:nvSpPr>
-        <p:spPr>
-          <a:xfrm>
-            <a:off x="4152668" y="377153"/>
-            <a:ext cx="4095371" cy="1938992"/>
-          </a:xfrm>
-          <a:prstGeom prst="rect">
-            <a:avLst/>
-          </a:prstGeom>
-          <a:noFill/>
-        </p:spPr>
-        <p:txBody>
-          <a:bodyPr wrap="square" rtlCol="0">
-            <a:spAutoFit/>
-          </a:bodyPr>
-          <a:lstStyle/>
-          <a:p>
-            <a:r>
-              <a:rPr lang="en-US" sz="12000" dirty="0">
-                <a:latin typeface="Algerian" panose="020B0604020202020204" pitchFamily="82" charset="0"/>
-              </a:rPr>
-              <a:t>T.N.T.</a:t>
-            </a:r>
-          </a:p>
-        </p:txBody>
-      </p:sp>
       <p:pic>
         <p:nvPicPr>
-          <p:cNvPr id="11" name="Picture 10">
-            <a:extLst>
-              <a:ext uri="{FF2B5EF4-FFF2-40B4-BE49-F238E27FC236}">
-                <a16:creationId xmlns:a16="http://schemas.microsoft.com/office/drawing/2014/main" id="{D35BD055-8ED2-4EE0-A7BD-C014943B9C83}"/>
-              </a:ext>
-            </a:extLst>
-          </p:cNvPr>
+          <p:cNvPr id="34" name="Picture 33"/>
           <p:cNvPicPr>
             <a:picLocks noChangeAspect="1"/>
           </p:cNvPicPr>
@@ -3383,8 +3345,8 @@
         </p:blipFill>
         <p:spPr>
           <a:xfrm>
-            <a:off x="8543692" y="929682"/>
-            <a:ext cx="1019635" cy="725308"/>
+            <a:off x="1395695" y="5445070"/>
+            <a:ext cx="9474200" cy="939800"/>
           </a:xfrm>
           <a:prstGeom prst="rect">
             <a:avLst/>
@@ -3393,70 +3355,82 @@
       </p:pic>
       <p:pic>
         <p:nvPicPr>
-          <p:cNvPr id="12" name="Picture 11">
-            <a:extLst>
-              <a:ext uri="{FF2B5EF4-FFF2-40B4-BE49-F238E27FC236}">
-                <a16:creationId xmlns:a16="http://schemas.microsoft.com/office/drawing/2014/main" id="{D8B34991-1837-43CE-B0BF-D68E367146E8}"/>
-              </a:ext>
-            </a:extLst>
-          </p:cNvPr>
+          <p:cNvPr id="14" name="Picture 13"/>
           <p:cNvPicPr>
             <a:picLocks noChangeAspect="1"/>
           </p:cNvPicPr>
           <p:nvPr/>
         </p:nvPicPr>
         <p:blipFill>
-          <a:blip r:embed="rId2"/>
+          <a:blip r:embed="rId3">
+            <a:clrChange>
+              <a:clrFrom>
+                <a:srgbClr val="FFFFFF"/>
+              </a:clrFrom>
+              <a:clrTo>
+                <a:srgbClr val="FFFFFF">
+                  <a:alpha val="0"/>
+                </a:srgbClr>
+              </a:clrTo>
+            </a:clrChange>
+          </a:blip>
           <a:stretch>
             <a:fillRect/>
           </a:stretch>
         </p:blipFill>
         <p:spPr>
-          <a:xfrm flipH="1">
-            <a:off x="2898165" y="983995"/>
-            <a:ext cx="1019635" cy="725308"/>
+          <a:xfrm rot="1608948">
+            <a:off x="1299862" y="3315936"/>
+            <a:ext cx="1397108" cy="1289243"/>
           </a:xfrm>
           <a:prstGeom prst="rect">
             <a:avLst/>
           </a:prstGeom>
         </p:spPr>
       </p:pic>
-      <p:pic>
-        <p:nvPicPr>
-          <p:cNvPr id="13" name="Picture 12">
-            <a:extLst>
-              <a:ext uri="{FF2B5EF4-FFF2-40B4-BE49-F238E27FC236}">
-                <a16:creationId xmlns:a16="http://schemas.microsoft.com/office/drawing/2014/main" id="{D378C93E-1C2D-46C9-99A2-C743C7C446CB}"/>
-              </a:ext>
-            </a:extLst>
-          </p:cNvPr>
-          <p:cNvPicPr>
-            <a:picLocks noChangeAspect="1"/>
-          </p:cNvPicPr>
+      <p:sp>
+        <p:nvSpPr>
+          <p:cNvPr id="4" name="TextBox 3">
+            <a:extLst>
+              <a:ext uri="{FF2B5EF4-FFF2-40B4-BE49-F238E27FC236}">
+                <a16:creationId xmlns:a16="http://schemas.microsoft.com/office/drawing/2014/main" id="{F68442E1-66DC-4569-B1C8-835052AC9D37}"/>
+              </a:ext>
+            </a:extLst>
+          </p:cNvPr>
+          <p:cNvSpPr txBox="1"/>
           <p:nvPr/>
-        </p:nvPicPr>
-        <p:blipFill>
-          <a:blip r:embed="rId3"/>
-          <a:stretch>
-            <a:fillRect/>
-          </a:stretch>
-        </p:blipFill>
-        <p:spPr>
-          <a:xfrm>
-            <a:off x="4512448" y="2316145"/>
-            <a:ext cx="3167104" cy="2459754"/>
+        </p:nvSpPr>
+        <p:spPr>
+          <a:xfrm>
+            <a:off x="4152668" y="377153"/>
+            <a:ext cx="4095371" cy="1938992"/>
           </a:xfrm>
           <a:prstGeom prst="rect">
             <a:avLst/>
           </a:prstGeom>
-        </p:spPr>
-      </p:pic>
+          <a:noFill/>
+        </p:spPr>
+        <p:txBody>
+          <a:bodyPr wrap="square" rtlCol="0">
+            <a:spAutoFit/>
+          </a:bodyPr>
+          <a:lstStyle/>
+          <a:p>
+            <a:r>
+              <a:rPr lang="en-US" sz="12000" dirty="0">
+                <a:latin typeface="Algerian" panose="020B0604020202020204" pitchFamily="82" charset="0"/>
+              </a:rPr>
+              <a:t>T.N.T.</a:t>
+            </a:r>
+          </a:p>
+        </p:txBody>
+      </p:sp>
       <p:pic>
         <p:nvPicPr>
-          <p:cNvPr id="17" name="Picture 16">
-            <a:extLst>
-              <a:ext uri="{FF2B5EF4-FFF2-40B4-BE49-F238E27FC236}">
-                <a16:creationId xmlns:a16="http://schemas.microsoft.com/office/drawing/2014/main" id="{1EFAAEAD-E917-4C26-A96E-CDC33F084B89}"/>
+          <p:cNvPr id="11" name="Picture 10">
+            <a:extLst>
+              <a:ext uri="{FF2B5EF4-FFF2-40B4-BE49-F238E27FC236}">
+                <a16:creationId xmlns:a16="http://schemas.microsoft.com/office/drawing/2014/main" id="{D35BD055-8ED2-4EE0-A7BD-C014943B9C83}"/>
               </a:ext>
             </a:extLst>
           </p:cNvPr>
@@ -3472,9 +3446,9 @@
           </a:stretch>
         </p:blipFill>
         <p:spPr>
-          <a:xfrm rot="238500">
-            <a:off x="10332644" y="2238553"/>
-            <a:ext cx="1189787" cy="1194643"/>
+          <a:xfrm>
+            <a:off x="8438917" y="996357"/>
+            <a:ext cx="1019635" cy="725308"/>
           </a:xfrm>
           <a:prstGeom prst="rect">
             <a:avLst/>
@@ -3483,10 +3457,10 @@
       </p:pic>
       <p:pic>
         <p:nvPicPr>
-          <p:cNvPr id="19" name="Picture 18">
-            <a:extLst>
-              <a:ext uri="{FF2B5EF4-FFF2-40B4-BE49-F238E27FC236}">
-                <a16:creationId xmlns:a16="http://schemas.microsoft.com/office/drawing/2014/main" id="{3FF11D4A-8392-4AEE-97B3-78C950078EDB}"/>
+          <p:cNvPr id="12" name="Picture 11">
+            <a:extLst>
+              <a:ext uri="{FF2B5EF4-FFF2-40B4-BE49-F238E27FC236}">
+                <a16:creationId xmlns:a16="http://schemas.microsoft.com/office/drawing/2014/main" id="{D8B34991-1837-43CE-B0BF-D68E367146E8}"/>
               </a:ext>
             </a:extLst>
           </p:cNvPr>
@@ -3496,15 +3470,15 @@
           <p:nvPr/>
         </p:nvPicPr>
         <p:blipFill>
-          <a:blip r:embed="rId5"/>
+          <a:blip r:embed="rId4"/>
           <a:stretch>
             <a:fillRect/>
           </a:stretch>
         </p:blipFill>
         <p:spPr>
-          <a:xfrm rot="20797018">
-            <a:off x="2008941" y="2859960"/>
-            <a:ext cx="1233079" cy="1138081"/>
+          <a:xfrm flipH="1">
+            <a:off x="2812440" y="983995"/>
+            <a:ext cx="1019635" cy="725308"/>
           </a:xfrm>
           <a:prstGeom prst="rect">
             <a:avLst/>
@@ -3513,10 +3487,10 @@
       </p:pic>
       <p:pic>
         <p:nvPicPr>
-          <p:cNvPr id="20" name="Picture 19">
-            <a:extLst>
-              <a:ext uri="{FF2B5EF4-FFF2-40B4-BE49-F238E27FC236}">
-                <a16:creationId xmlns:a16="http://schemas.microsoft.com/office/drawing/2014/main" id="{9F756E59-FD3C-47C9-9A24-A8546972390E}"/>
+          <p:cNvPr id="13" name="Picture 12">
+            <a:extLst>
+              <a:ext uri="{FF2B5EF4-FFF2-40B4-BE49-F238E27FC236}">
+                <a16:creationId xmlns:a16="http://schemas.microsoft.com/office/drawing/2014/main" id="{D378C93E-1C2D-46C9-99A2-C743C7C446CB}"/>
               </a:ext>
             </a:extLst>
           </p:cNvPr>
@@ -3526,14 +3500,65 @@
           <p:nvPr/>
         </p:nvPicPr>
         <p:blipFill rotWithShape="1">
-          <a:blip r:embed="rId6"/>
-          <a:srcRect r="10777"/>
+          <a:blip r:embed="rId5">
+            <a:clrChange>
+              <a:clrFrom>
+                <a:srgbClr val="F6F6F6"/>
+              </a:clrFrom>
+              <a:clrTo>
+                <a:srgbClr val="F6F6F6">
+                  <a:alpha val="0"/>
+                </a:srgbClr>
+              </a:clrTo>
+            </a:clrChange>
+          </a:blip>
+          <a:srcRect l="2333" r="6154"/>
           <a:stretch/>
         </p:blipFill>
         <p:spPr>
           <a:xfrm>
-            <a:off x="1216910" y="3537925"/>
-            <a:ext cx="1144132" cy="2218953"/>
+            <a:off x="4732865" y="3705981"/>
+            <a:ext cx="2654816" cy="2253103"/>
+          </a:xfrm>
+          <a:prstGeom prst="rect">
+            <a:avLst/>
+          </a:prstGeom>
+        </p:spPr>
+      </p:pic>
+      <p:pic>
+        <p:nvPicPr>
+          <p:cNvPr id="21" name="Picture 20">
+            <a:extLst>
+              <a:ext uri="{FF2B5EF4-FFF2-40B4-BE49-F238E27FC236}">
+                <a16:creationId xmlns:a16="http://schemas.microsoft.com/office/drawing/2014/main" id="{E13781C4-0CB2-4645-8C07-DCDA4AAA3FB0}"/>
+              </a:ext>
+            </a:extLst>
+          </p:cNvPr>
+          <p:cNvPicPr>
+            <a:picLocks noChangeAspect="1"/>
+          </p:cNvPicPr>
+          <p:nvPr/>
+        </p:nvPicPr>
+        <p:blipFill rotWithShape="1">
+          <a:blip r:embed="rId6">
+            <a:clrChange>
+              <a:clrFrom>
+                <a:srgbClr val="FEFEFE"/>
+              </a:clrFrom>
+              <a:clrTo>
+                <a:srgbClr val="FEFEFE">
+                  <a:alpha val="0"/>
+                </a:srgbClr>
+              </a:clrTo>
+            </a:clrChange>
+          </a:blip>
+          <a:srcRect l="980" r="5765" b="1092"/>
+          <a:stretch/>
+        </p:blipFill>
+        <p:spPr>
+          <a:xfrm>
+            <a:off x="8847541" y="3727978"/>
+            <a:ext cx="1498601" cy="2063678"/>
           </a:xfrm>
           <a:prstGeom prst="rect">
             <a:avLst/>
@@ -3555,15 +3580,26 @@
           <p:nvPr/>
         </p:nvPicPr>
         <p:blipFill>
-          <a:blip r:embed="rId7"/>
+          <a:blip r:embed="rId7">
+            <a:clrChange>
+              <a:clrFrom>
+                <a:srgbClr val="FFFFFF"/>
+              </a:clrFrom>
+              <a:clrTo>
+                <a:srgbClr val="FFFFFF">
+                  <a:alpha val="0"/>
+                </a:srgbClr>
+              </a:clrTo>
+            </a:clrChange>
+          </a:blip>
           <a:stretch>
             <a:fillRect/>
           </a:stretch>
         </p:blipFill>
         <p:spPr>
           <a:xfrm rot="21344839">
-            <a:off x="8718363" y="2390533"/>
-            <a:ext cx="1081058" cy="890683"/>
+            <a:off x="8184791" y="3250941"/>
+            <a:ext cx="917238" cy="755712"/>
           </a:xfrm>
           <a:prstGeom prst="rect">
             <a:avLst/>
@@ -3572,28 +3608,190 @@
       </p:pic>
       <p:pic>
         <p:nvPicPr>
-          <p:cNvPr id="21" name="Picture 20">
-            <a:extLst>
-              <a:ext uri="{FF2B5EF4-FFF2-40B4-BE49-F238E27FC236}">
-                <a16:creationId xmlns:a16="http://schemas.microsoft.com/office/drawing/2014/main" id="{E13781C4-0CB2-4645-8C07-DCDA4AAA3FB0}"/>
-              </a:ext>
-            </a:extLst>
-          </p:cNvPr>
+          <p:cNvPr id="20" name="Picture 19">
+            <a:extLst>
+              <a:ext uri="{FF2B5EF4-FFF2-40B4-BE49-F238E27FC236}">
+                <a16:creationId xmlns:a16="http://schemas.microsoft.com/office/drawing/2014/main" id="{9F756E59-FD3C-47C9-9A24-A8546972390E}"/>
+              </a:ext>
+            </a:extLst>
+          </p:cNvPr>
+          <p:cNvPicPr>
+            <a:picLocks noChangeAspect="1"/>
+          </p:cNvPicPr>
+          <p:nvPr/>
+        </p:nvPicPr>
+        <p:blipFill rotWithShape="1">
+          <a:blip r:embed="rId8">
+            <a:clrChange>
+              <a:clrFrom>
+                <a:srgbClr val="FFFFFF"/>
+              </a:clrFrom>
+              <a:clrTo>
+                <a:srgbClr val="FFFFFF">
+                  <a:alpha val="0"/>
+                </a:srgbClr>
+              </a:clrTo>
+            </a:clrChange>
+          </a:blip>
+          <a:srcRect l="8776" r="10776" b="2587"/>
+          <a:stretch/>
+        </p:blipFill>
+        <p:spPr>
+          <a:xfrm>
+            <a:off x="2238997" y="4014175"/>
+            <a:ext cx="905854" cy="1898058"/>
+          </a:xfrm>
+          <a:prstGeom prst="rect">
+            <a:avLst/>
+          </a:prstGeom>
+        </p:spPr>
+      </p:pic>
+      <p:pic>
+        <p:nvPicPr>
+          <p:cNvPr id="31" name="Picture 30"/>
           <p:cNvPicPr>
             <a:picLocks noChangeAspect="1"/>
           </p:cNvPicPr>
           <p:nvPr/>
         </p:nvPicPr>
         <p:blipFill>
-          <a:blip r:embed="rId8"/>
+          <a:blip r:embed="rId9">
+            <a:clrChange>
+              <a:clrFrom>
+                <a:srgbClr val="FFFFFF"/>
+              </a:clrFrom>
+              <a:clrTo>
+                <a:srgbClr val="FFFFFF">
+                  <a:alpha val="0"/>
+                </a:srgbClr>
+              </a:clrTo>
+            </a:clrChange>
+          </a:blip>
           <a:stretch>
             <a:fillRect/>
           </a:stretch>
         </p:blipFill>
         <p:spPr>
           <a:xfrm>
-            <a:off x="8976442" y="3320073"/>
-            <a:ext cx="1709032" cy="2218953"/>
+            <a:off x="3874781" y="4256915"/>
+            <a:ext cx="440818" cy="1526736"/>
+          </a:xfrm>
+          <a:prstGeom prst="rect">
+            <a:avLst/>
+          </a:prstGeom>
+        </p:spPr>
+      </p:pic>
+      <p:pic>
+        <p:nvPicPr>
+          <p:cNvPr id="32" name="Picture 31"/>
+          <p:cNvPicPr>
+            <a:picLocks noChangeAspect="1"/>
+          </p:cNvPicPr>
+          <p:nvPr/>
+        </p:nvPicPr>
+        <p:blipFill>
+          <a:blip r:embed="rId10">
+            <a:clrChange>
+              <a:clrFrom>
+                <a:srgbClr val="FFFFFF"/>
+              </a:clrFrom>
+              <a:clrTo>
+                <a:srgbClr val="FFFFFF">
+                  <a:alpha val="0"/>
+                </a:srgbClr>
+              </a:clrTo>
+            </a:clrChange>
+          </a:blip>
+          <a:stretch>
+            <a:fillRect/>
+          </a:stretch>
+        </p:blipFill>
+        <p:spPr>
+          <a:xfrm>
+            <a:off x="7918669" y="4329406"/>
+            <a:ext cx="833087" cy="1469546"/>
+          </a:xfrm>
+          <a:prstGeom prst="rect">
+            <a:avLst/>
+          </a:prstGeom>
+        </p:spPr>
+      </p:pic>
+      <p:pic>
+        <p:nvPicPr>
+          <p:cNvPr id="19" name="Picture 18">
+            <a:extLst>
+              <a:ext uri="{FF2B5EF4-FFF2-40B4-BE49-F238E27FC236}">
+                <a16:creationId xmlns:a16="http://schemas.microsoft.com/office/drawing/2014/main" id="{3FF11D4A-8392-4AEE-97B3-78C950078EDB}"/>
+              </a:ext>
+            </a:extLst>
+          </p:cNvPr>
+          <p:cNvPicPr>
+            <a:picLocks noChangeAspect="1"/>
+          </p:cNvPicPr>
+          <p:nvPr/>
+        </p:nvPicPr>
+        <p:blipFill>
+          <a:blip r:embed="rId11">
+            <a:clrChange>
+              <a:clrFrom>
+                <a:srgbClr val="FFFFFF"/>
+              </a:clrFrom>
+              <a:clrTo>
+                <a:srgbClr val="FFFFFF">
+                  <a:alpha val="0"/>
+                </a:srgbClr>
+              </a:clrTo>
+            </a:clrChange>
+          </a:blip>
+          <a:stretch>
+            <a:fillRect/>
+          </a:stretch>
+        </p:blipFill>
+        <p:spPr>
+          <a:xfrm rot="20797018">
+            <a:off x="2961174" y="3450535"/>
+            <a:ext cx="931945" cy="860146"/>
+          </a:xfrm>
+          <a:prstGeom prst="rect">
+            <a:avLst/>
+          </a:prstGeom>
+        </p:spPr>
+      </p:pic>
+      <p:pic>
+        <p:nvPicPr>
+          <p:cNvPr id="17" name="Picture 16">
+            <a:extLst>
+              <a:ext uri="{FF2B5EF4-FFF2-40B4-BE49-F238E27FC236}">
+                <a16:creationId xmlns:a16="http://schemas.microsoft.com/office/drawing/2014/main" id="{1EFAAEAD-E917-4C26-A96E-CDC33F084B89}"/>
+              </a:ext>
+            </a:extLst>
+          </p:cNvPr>
+          <p:cNvPicPr>
+            <a:picLocks noChangeAspect="1"/>
+          </p:cNvPicPr>
+          <p:nvPr/>
+        </p:nvPicPr>
+        <p:blipFill>
+          <a:blip r:embed="rId12">
+            <a:clrChange>
+              <a:clrFrom>
+                <a:srgbClr val="FFFFFF"/>
+              </a:clrFrom>
+              <a:clrTo>
+                <a:srgbClr val="FFFFFF">
+                  <a:alpha val="0"/>
+                </a:srgbClr>
+              </a:clrTo>
+            </a:clrChange>
+          </a:blip>
+          <a:stretch>
+            <a:fillRect/>
+          </a:stretch>
+        </p:blipFill>
+        <p:spPr>
+          <a:xfrm rot="238500">
+            <a:off x="9799727" y="3023622"/>
+            <a:ext cx="895051" cy="898704"/>
           </a:xfrm>
           <a:prstGeom prst="rect">
             <a:avLst/>
@@ -3610,6 +3808,13 @@
   <p:clrMapOvr>
     <a:masterClrMapping/>
   </p:clrMapOvr>
+  <p:timing>
+    <p:tnLst>
+      <p:par>
+        <p:cTn id="1" dur="indefinite" restart="never" nodeType="tmRoot"/>
+      </p:par>
+    </p:tnLst>
+  </p:timing>
 </p:sld>
 </file>
 
@@ -3999,6 +4204,13 @@
   <p:clrMapOvr>
     <a:masterClrMapping/>
   </p:clrMapOvr>
+  <p:timing>
+    <p:tnLst>
+      <p:par>
+        <p:cTn id="1" dur="indefinite" restart="never" nodeType="tmRoot"/>
+      </p:par>
+    </p:tnLst>
+  </p:timing>
 </p:sld>
 </file>
 
@@ -4126,6 +4338,173 @@
           <a:xfrm>
             <a:off x="1581655" y="1990165"/>
             <a:ext cx="1365721" cy="1570434"/>
+          </a:xfrm>
+          <a:prstGeom prst="rect">
+            <a:avLst/>
+          </a:prstGeom>
+        </p:spPr>
+      </p:pic>
+      <p:pic>
+        <p:nvPicPr>
+          <p:cNvPr id="3" name="Picture 2"/>
+          <p:cNvPicPr>
+            <a:picLocks noChangeAspect="1"/>
+          </p:cNvPicPr>
+          <p:nvPr/>
+        </p:nvPicPr>
+        <p:blipFill>
+          <a:blip r:embed="rId4"/>
+          <a:stretch>
+            <a:fillRect/>
+          </a:stretch>
+        </p:blipFill>
+        <p:spPr>
+          <a:xfrm>
+            <a:off x="2968273" y="3560599"/>
+            <a:ext cx="2072820" cy="1912786"/>
+          </a:xfrm>
+          <a:prstGeom prst="rect">
+            <a:avLst/>
+          </a:prstGeom>
+        </p:spPr>
+      </p:pic>
+      <p:pic>
+        <p:nvPicPr>
+          <p:cNvPr id="6" name="Picture 5"/>
+          <p:cNvPicPr>
+            <a:picLocks noChangeAspect="1"/>
+          </p:cNvPicPr>
+          <p:nvPr/>
+        </p:nvPicPr>
+        <p:blipFill>
+          <a:blip r:embed="rId5"/>
+          <a:stretch>
+            <a:fillRect/>
+          </a:stretch>
+        </p:blipFill>
+        <p:spPr>
+          <a:xfrm>
+            <a:off x="3333510" y="3120363"/>
+            <a:ext cx="5524979" cy="617273"/>
+          </a:xfrm>
+          <a:prstGeom prst="rect">
+            <a:avLst/>
+          </a:prstGeom>
+        </p:spPr>
+      </p:pic>
+      <p:pic>
+        <p:nvPicPr>
+          <p:cNvPr id="7" name="Picture 6"/>
+          <p:cNvPicPr>
+            <a:picLocks noChangeAspect="1"/>
+          </p:cNvPicPr>
+          <p:nvPr/>
+        </p:nvPicPr>
+        <p:blipFill>
+          <a:blip r:embed="rId6"/>
+          <a:stretch>
+            <a:fillRect/>
+          </a:stretch>
+        </p:blipFill>
+        <p:spPr>
+          <a:xfrm>
+            <a:off x="2968273" y="5631656"/>
+            <a:ext cx="5685013" cy="563929"/>
+          </a:xfrm>
+          <a:prstGeom prst="rect">
+            <a:avLst/>
+          </a:prstGeom>
+        </p:spPr>
+      </p:pic>
+      <p:pic>
+        <p:nvPicPr>
+          <p:cNvPr id="10" name="Picture 9"/>
+          <p:cNvPicPr>
+            <a:picLocks noChangeAspect="1"/>
+          </p:cNvPicPr>
+          <p:nvPr/>
+        </p:nvPicPr>
+        <p:blipFill>
+          <a:blip r:embed="rId7"/>
+          <a:stretch>
+            <a:fillRect/>
+          </a:stretch>
+        </p:blipFill>
+        <p:spPr>
+          <a:xfrm>
+            <a:off x="1330040" y="4506208"/>
+            <a:ext cx="9643278" cy="1971626"/>
+          </a:xfrm>
+          <a:prstGeom prst="rect">
+            <a:avLst/>
+          </a:prstGeom>
+        </p:spPr>
+      </p:pic>
+      <p:pic>
+        <p:nvPicPr>
+          <p:cNvPr id="4" name="Picture 3"/>
+          <p:cNvPicPr>
+            <a:picLocks noChangeAspect="1"/>
+          </p:cNvPicPr>
+          <p:nvPr/>
+        </p:nvPicPr>
+        <p:blipFill>
+          <a:blip r:embed="rId8"/>
+          <a:stretch>
+            <a:fillRect/>
+          </a:stretch>
+        </p:blipFill>
+        <p:spPr>
+          <a:xfrm>
+            <a:off x="8895695" y="3412460"/>
+            <a:ext cx="624894" cy="2164268"/>
+          </a:xfrm>
+          <a:prstGeom prst="rect">
+            <a:avLst/>
+          </a:prstGeom>
+        </p:spPr>
+      </p:pic>
+      <p:pic>
+        <p:nvPicPr>
+          <p:cNvPr id="5" name="Picture 4"/>
+          <p:cNvPicPr>
+            <a:picLocks noChangeAspect="1"/>
+          </p:cNvPicPr>
+          <p:nvPr/>
+        </p:nvPicPr>
+        <p:blipFill>
+          <a:blip r:embed="rId9"/>
+          <a:stretch>
+            <a:fillRect/>
+          </a:stretch>
+        </p:blipFill>
+        <p:spPr>
+          <a:xfrm>
+            <a:off x="10037603" y="2185102"/>
+            <a:ext cx="1226926" cy="2164268"/>
+          </a:xfrm>
+          <a:prstGeom prst="rect">
+            <a:avLst/>
+          </a:prstGeom>
+        </p:spPr>
+      </p:pic>
+      <p:pic>
+        <p:nvPicPr>
+          <p:cNvPr id="11" name="Picture 10"/>
+          <p:cNvPicPr>
+            <a:picLocks noChangeAspect="1"/>
+          </p:cNvPicPr>
+          <p:nvPr/>
+        </p:nvPicPr>
+        <p:blipFill rotWithShape="1">
+          <a:blip r:embed="rId10"/>
+          <a:srcRect r="40576" b="18045"/>
+          <a:stretch/>
+        </p:blipFill>
+        <p:spPr>
+          <a:xfrm>
+            <a:off x="9045373" y="1078481"/>
+            <a:ext cx="538893" cy="318520"/>
           </a:xfrm>
           <a:prstGeom prst="rect">
             <a:avLst/>
